--- a/Blackboard Presentation.pptx
+++ b/Blackboard Presentation.pptx
@@ -12,6 +12,7 @@
     <p:sldId id="258" r:id="rId6"/>
     <p:sldId id="260" r:id="rId7"/>
     <p:sldId id="261" r:id="rId8"/>
+    <p:sldId id="263" r:id="rId9"/>
   </p:sldIdLst>
   <p:sldSz cx="12192000" cy="6858000"/>
   <p:notesSz cx="6858000" cy="9144000"/>
@@ -110,6 +111,11 @@
       </a:defRPr>
     </a:lvl9pPr>
   </p:defaultTextStyle>
+  <p:extLst>
+    <p:ext uri="{EFAFB233-063F-42B5-8137-9DF3F51BA10A}">
+      <p15:sldGuideLst xmlns:p15="http://schemas.microsoft.com/office/powerpoint/2012/main"/>
+    </p:ext>
+  </p:extLst>
 </p:presentation>
 </file>
 
@@ -316,7 +322,7 @@
             <a:fld id="{B61BEF0D-F0BB-DE4B-95CE-6DB70DBA9567}" type="datetimeFigureOut">
               <a:rPr lang="en-US" smtClean="0"/>
               <a:pPr/>
-              <a:t>11/24/2019</a:t>
+              <a:t>11/25/2019</a:t>
             </a:fld>
             <a:endParaRPr lang="en-US" dirty="0"/>
           </a:p>
@@ -609,7 +615,7 @@
             <a:fld id="{B61BEF0D-F0BB-DE4B-95CE-6DB70DBA9567}" type="datetimeFigureOut">
               <a:rPr lang="en-US" smtClean="0"/>
               <a:pPr/>
-              <a:t>11/24/2019</a:t>
+              <a:t>11/25/2019</a:t>
             </a:fld>
             <a:endParaRPr lang="en-US" dirty="0"/>
           </a:p>
@@ -859,7 +865,7 @@
             <a:fld id="{B61BEF0D-F0BB-DE4B-95CE-6DB70DBA9567}" type="datetimeFigureOut">
               <a:rPr lang="en-US" smtClean="0"/>
               <a:pPr/>
-              <a:t>11/24/2019</a:t>
+              <a:t>11/25/2019</a:t>
             </a:fld>
             <a:endParaRPr lang="en-US" dirty="0"/>
           </a:p>
@@ -1397,7 +1403,7 @@
             <a:fld id="{B61BEF0D-F0BB-DE4B-95CE-6DB70DBA9567}" type="datetimeFigureOut">
               <a:rPr lang="en-US" smtClean="0"/>
               <a:pPr/>
-              <a:t>11/24/2019</a:t>
+              <a:t>11/25/2019</a:t>
             </a:fld>
             <a:endParaRPr lang="en-US" dirty="0"/>
           </a:p>
@@ -1647,7 +1653,7 @@
             <a:fld id="{B61BEF0D-F0BB-DE4B-95CE-6DB70DBA9567}" type="datetimeFigureOut">
               <a:rPr lang="en-US" smtClean="0"/>
               <a:pPr/>
-              <a:t>11/24/2019</a:t>
+              <a:t>11/25/2019</a:t>
             </a:fld>
             <a:endParaRPr lang="en-US" dirty="0"/>
           </a:p>
@@ -2192,7 +2198,7 @@
             <a:fld id="{B61BEF0D-F0BB-DE4B-95CE-6DB70DBA9567}" type="datetimeFigureOut">
               <a:rPr lang="en-US" smtClean="0"/>
               <a:pPr/>
-              <a:t>11/24/2019</a:t>
+              <a:t>11/25/2019</a:t>
             </a:fld>
             <a:endParaRPr lang="en-US" dirty="0"/>
           </a:p>
@@ -2504,7 +2510,7 @@
             <a:fld id="{B61BEF0D-F0BB-DE4B-95CE-6DB70DBA9567}" type="datetimeFigureOut">
               <a:rPr lang="en-US" smtClean="0"/>
               <a:pPr/>
-              <a:t>11/24/2019</a:t>
+              <a:t>11/25/2019</a:t>
             </a:fld>
             <a:endParaRPr lang="en-US" dirty="0"/>
           </a:p>
@@ -2681,7 +2687,7 @@
             <a:fld id="{B61BEF0D-F0BB-DE4B-95CE-6DB70DBA9567}" type="datetimeFigureOut">
               <a:rPr lang="en-US" smtClean="0"/>
               <a:pPr/>
-              <a:t>11/24/2019</a:t>
+              <a:t>11/25/2019</a:t>
             </a:fld>
             <a:endParaRPr lang="en-US" dirty="0"/>
           </a:p>
@@ -2863,7 +2869,7 @@
             <a:fld id="{B61BEF0D-F0BB-DE4B-95CE-6DB70DBA9567}" type="datetimeFigureOut">
               <a:rPr lang="en-US" smtClean="0"/>
               <a:pPr/>
-              <a:t>11/24/2019</a:t>
+              <a:t>11/25/2019</a:t>
             </a:fld>
             <a:endParaRPr lang="en-US" dirty="0"/>
           </a:p>
@@ -3035,7 +3041,7 @@
             <a:fld id="{B61BEF0D-F0BB-DE4B-95CE-6DB70DBA9567}" type="datetimeFigureOut">
               <a:rPr lang="en-US" smtClean="0"/>
               <a:pPr/>
-              <a:t>11/24/2019</a:t>
+              <a:t>11/25/2019</a:t>
             </a:fld>
             <a:endParaRPr lang="en-US" dirty="0"/>
           </a:p>
@@ -3283,7 +3289,7 @@
             <a:fld id="{B61BEF0D-F0BB-DE4B-95CE-6DB70DBA9567}" type="datetimeFigureOut">
               <a:rPr lang="en-US" smtClean="0"/>
               <a:pPr/>
-              <a:t>11/24/2019</a:t>
+              <a:t>11/25/2019</a:t>
             </a:fld>
             <a:endParaRPr lang="en-US" dirty="0"/>
           </a:p>
@@ -3577,7 +3583,7 @@
             <a:fld id="{B61BEF0D-F0BB-DE4B-95CE-6DB70DBA9567}" type="datetimeFigureOut">
               <a:rPr lang="en-US" smtClean="0"/>
               <a:pPr/>
-              <a:t>11/24/2019</a:t>
+              <a:t>11/25/2019</a:t>
             </a:fld>
             <a:endParaRPr lang="en-US" dirty="0"/>
           </a:p>
@@ -4009,7 +4015,7 @@
             <a:fld id="{B61BEF0D-F0BB-DE4B-95CE-6DB70DBA9567}" type="datetimeFigureOut">
               <a:rPr lang="en-US" smtClean="0"/>
               <a:pPr/>
-              <a:t>11/24/2019</a:t>
+              <a:t>11/25/2019</a:t>
             </a:fld>
             <a:endParaRPr lang="en-US" dirty="0"/>
           </a:p>
@@ -4134,7 +4140,7 @@
             <a:fld id="{B61BEF0D-F0BB-DE4B-95CE-6DB70DBA9567}" type="datetimeFigureOut">
               <a:rPr lang="en-US" smtClean="0"/>
               <a:pPr/>
-              <a:t>11/24/2019</a:t>
+              <a:t>11/25/2019</a:t>
             </a:fld>
             <a:endParaRPr lang="en-US" dirty="0"/>
           </a:p>
@@ -4231,7 +4237,7 @@
             <a:fld id="{B61BEF0D-F0BB-DE4B-95CE-6DB70DBA9567}" type="datetimeFigureOut">
               <a:rPr lang="en-US" smtClean="0"/>
               <a:pPr/>
-              <a:t>11/24/2019</a:t>
+              <a:t>11/25/2019</a:t>
             </a:fld>
             <a:endParaRPr lang="en-US" dirty="0"/>
           </a:p>
@@ -4516,7 +4522,7 @@
             <a:fld id="{B61BEF0D-F0BB-DE4B-95CE-6DB70DBA9567}" type="datetimeFigureOut">
               <a:rPr lang="en-US" smtClean="0"/>
               <a:pPr/>
-              <a:t>11/24/2019</a:t>
+              <a:t>11/25/2019</a:t>
             </a:fld>
             <a:endParaRPr lang="en-US" dirty="0"/>
           </a:p>
@@ -4809,7 +4815,7 @@
             <a:fld id="{B61BEF0D-F0BB-DE4B-95CE-6DB70DBA9567}" type="datetimeFigureOut">
               <a:rPr lang="en-US" smtClean="0"/>
               <a:pPr/>
-              <a:t>11/24/2019</a:t>
+              <a:t>11/25/2019</a:t>
             </a:fld>
             <a:endParaRPr lang="en-US" dirty="0"/>
           </a:p>
@@ -5042,7 +5048,7 @@
             <a:fld id="{B61BEF0D-F0BB-DE4B-95CE-6DB70DBA9567}" type="datetimeFigureOut">
               <a:rPr lang="en-US" smtClean="0"/>
               <a:pPr/>
-              <a:t>11/24/2019</a:t>
+              <a:t>11/25/2019</a:t>
             </a:fld>
             <a:endParaRPr lang="en-US" dirty="0"/>
           </a:p>
@@ -5705,7 +5711,6 @@
                 <a:lumMod val="114000"/>
               </a:schemeClr>
             </a:duotone>
-            <a:extLst/>
           </a:blip>
           <a:stretch/>
         </a:blipFill>
@@ -5743,7 +5748,6 @@
         <p:blipFill rotWithShape="1">
           <a:blip r:embed="rId3">
             <a:alphaModFix amt="15000"/>
-            <a:extLst/>
           </a:blip>
           <a:srcRect t="13930" b="12780"/>
           <a:stretch/>
@@ -6048,7 +6052,6 @@
                 <a:lumMod val="114000"/>
               </a:schemeClr>
             </a:duotone>
-            <a:extLst/>
           </a:blip>
           <a:stretch/>
         </a:blipFill>
@@ -6308,7 +6311,6 @@
                 <a:lumMod val="114000"/>
               </a:schemeClr>
             </a:duotone>
-            <a:extLst/>
           </a:blip>
           <a:stretch/>
         </a:blipFill>
@@ -6911,7 +6913,6 @@
                 <a:lumMod val="114000"/>
               </a:schemeClr>
             </a:duotone>
-            <a:extLst/>
           </a:blip>
           <a:stretch/>
         </a:blipFill>
@@ -7104,7 +7105,6 @@
                 <a:lumMod val="114000"/>
               </a:schemeClr>
             </a:duotone>
-            <a:extLst/>
           </a:blip>
           <a:stretch/>
         </a:blipFill>
@@ -7790,7 +7790,6 @@
                 <a:lumMod val="114000"/>
               </a:schemeClr>
             </a:duotone>
-            <a:extLst/>
           </a:blip>
           <a:stretch/>
         </a:blipFill>
@@ -8054,6 +8053,64 @@
     <p:extLst>
       <p:ext uri="{BB962C8B-B14F-4D97-AF65-F5344CB8AC3E}">
         <p14:creationId xmlns:p14="http://schemas.microsoft.com/office/powerpoint/2010/main" val="3824997762"/>
+      </p:ext>
+    </p:extLst>
+  </p:cSld>
+  <p:clrMapOvr>
+    <a:masterClrMapping/>
+  </p:clrMapOvr>
+</p:sld>
+</file>
+
+<file path=ppt/slides/slide8.xml><?xml version="1.0" encoding="utf-8"?>
+<p:sld xmlns:a="http://schemas.openxmlformats.org/drawingml/2006/main" xmlns:r="http://schemas.openxmlformats.org/officeDocument/2006/relationships" xmlns:p="http://schemas.openxmlformats.org/presentationml/2006/main">
+  <p:cSld>
+    <p:spTree>
+      <p:nvGrpSpPr>
+        <p:cNvPr id="1" name=""/>
+        <p:cNvGrpSpPr/>
+        <p:nvPr/>
+      </p:nvGrpSpPr>
+      <p:grpSpPr>
+        <a:xfrm>
+          <a:off x="0" y="0"/>
+          <a:ext cx="0" cy="0"/>
+          <a:chOff x="0" y="0"/>
+          <a:chExt cx="0" cy="0"/>
+        </a:xfrm>
+      </p:grpSpPr>
+      <p:sp>
+        <p:nvSpPr>
+          <p:cNvPr id="2" name="Title 1">
+            <a:extLst>
+              <a:ext uri="{FF2B5EF4-FFF2-40B4-BE49-F238E27FC236}">
+                <a16:creationId xmlns:a16="http://schemas.microsoft.com/office/drawing/2014/main" id="{7BF857AA-A5AC-43AB-B996-64CE302B85D5}"/>
+              </a:ext>
+            </a:extLst>
+          </p:cNvPr>
+          <p:cNvSpPr>
+            <a:spLocks noGrp="1"/>
+          </p:cNvSpPr>
+          <p:nvPr>
+            <p:ph type="title"/>
+          </p:nvPr>
+        </p:nvSpPr>
+        <p:spPr/>
+        <p:txBody>
+          <a:bodyPr/>
+          <a:lstStyle/>
+          <a:p>
+            <a:r>
+              <a:rPr lang="en-US" dirty="0"/>
+              <a:t>FAILED PROJECTS: C#</a:t>
+            </a:r>
+          </a:p>
+        </p:txBody>
+      </p:sp>
+    </p:spTree>
+    <p:extLst>
+      <p:ext uri="{BB962C8B-B14F-4D97-AF65-F5344CB8AC3E}">
+        <p14:creationId xmlns:p14="http://schemas.microsoft.com/office/powerpoint/2010/main" val="3069439863"/>
       </p:ext>
     </p:extLst>
   </p:cSld>
